--- a/2D 게임프로그래밍 1차 발표자료.pptx
+++ b/2D 게임프로그래밍 1차 발표자료.pptx
@@ -7,9 +7,10 @@
   <p:sldIdLst>
     <p:sldId id="256" r:id="rId2"/>
     <p:sldId id="257" r:id="rId3"/>
-    <p:sldId id="258" r:id="rId4"/>
-    <p:sldId id="260" r:id="rId5"/>
+    <p:sldId id="260" r:id="rId4"/>
+    <p:sldId id="261" r:id="rId5"/>
     <p:sldId id="259" r:id="rId6"/>
+    <p:sldId id="262" r:id="rId7"/>
   </p:sldIdLst>
   <p:sldSz cx="12192000" cy="6858000"/>
   <p:notesSz cx="6858000" cy="9144000"/>
@@ -108,6 +109,11 @@
       </a:defRPr>
     </a:lvl9pPr>
   </p:defaultTextStyle>
+  <p:extLst>
+    <p:ext uri="{EFAFB233-063F-42B5-8137-9DF3F51BA10A}">
+      <p15:sldGuideLst xmlns:p15="http://schemas.microsoft.com/office/powerpoint/2012/main"/>
+    </p:ext>
+  </p:extLst>
 </p:presentation>
 </file>
 
@@ -287,7 +293,7 @@
           <a:p>
             <a:fld id="{2ED0F0D4-9096-4314-9E04-0720A41ED5EE}" type="datetimeFigureOut">
               <a:rPr lang="ko-KR" altLang="en-US" smtClean="0"/>
-              <a:t>2023-10-07</a:t>
+              <a:t>2023-10-08</a:t>
             </a:fld>
             <a:endParaRPr lang="ko-KR" altLang="en-US"/>
           </a:p>
@@ -457,7 +463,7 @@
           <a:p>
             <a:fld id="{2ED0F0D4-9096-4314-9E04-0720A41ED5EE}" type="datetimeFigureOut">
               <a:rPr lang="ko-KR" altLang="en-US" smtClean="0"/>
-              <a:t>2023-10-07</a:t>
+              <a:t>2023-10-08</a:t>
             </a:fld>
             <a:endParaRPr lang="ko-KR" altLang="en-US"/>
           </a:p>
@@ -680,7 +686,7 @@
           <a:p>
             <a:fld id="{2ED0F0D4-9096-4314-9E04-0720A41ED5EE}" type="datetimeFigureOut">
               <a:rPr lang="ko-KR" altLang="en-US" smtClean="0"/>
-              <a:t>2023-10-07</a:t>
+              <a:t>2023-10-08</a:t>
             </a:fld>
             <a:endParaRPr lang="ko-KR" altLang="en-US"/>
           </a:p>
@@ -860,7 +866,7 @@
           <a:p>
             <a:fld id="{2ED0F0D4-9096-4314-9E04-0720A41ED5EE}" type="datetimeFigureOut">
               <a:rPr lang="ko-KR" altLang="en-US" smtClean="0"/>
-              <a:t>2023-10-07</a:t>
+              <a:t>2023-10-08</a:t>
             </a:fld>
             <a:endParaRPr lang="ko-KR" altLang="en-US"/>
           </a:p>
@@ -1166,7 +1172,7 @@
           <a:p>
             <a:fld id="{2ED0F0D4-9096-4314-9E04-0720A41ED5EE}" type="datetimeFigureOut">
               <a:rPr lang="ko-KR" altLang="en-US" smtClean="0"/>
-              <a:t>2023-10-07</a:t>
+              <a:t>2023-10-08</a:t>
             </a:fld>
             <a:endParaRPr lang="ko-KR" altLang="en-US"/>
           </a:p>
@@ -1470,7 +1476,7 @@
           <a:p>
             <a:fld id="{2ED0F0D4-9096-4314-9E04-0720A41ED5EE}" type="datetimeFigureOut">
               <a:rPr lang="ko-KR" altLang="en-US" smtClean="0"/>
-              <a:t>2023-10-07</a:t>
+              <a:t>2023-10-08</a:t>
             </a:fld>
             <a:endParaRPr lang="ko-KR" altLang="en-US"/>
           </a:p>
@@ -1892,7 +1898,7 @@
           <a:p>
             <a:fld id="{2ED0F0D4-9096-4314-9E04-0720A41ED5EE}" type="datetimeFigureOut">
               <a:rPr lang="ko-KR" altLang="en-US" smtClean="0"/>
-              <a:t>2023-10-07</a:t>
+              <a:t>2023-10-08</a:t>
             </a:fld>
             <a:endParaRPr lang="ko-KR" altLang="en-US"/>
           </a:p>
@@ -2010,7 +2016,7 @@
           <a:p>
             <a:fld id="{2ED0F0D4-9096-4314-9E04-0720A41ED5EE}" type="datetimeFigureOut">
               <a:rPr lang="ko-KR" altLang="en-US" smtClean="0"/>
-              <a:t>2023-10-07</a:t>
+              <a:t>2023-10-08</a:t>
             </a:fld>
             <a:endParaRPr lang="ko-KR" altLang="en-US"/>
           </a:p>
@@ -2105,7 +2111,7 @@
           <a:p>
             <a:fld id="{2ED0F0D4-9096-4314-9E04-0720A41ED5EE}" type="datetimeFigureOut">
               <a:rPr lang="ko-KR" altLang="en-US" smtClean="0"/>
-              <a:t>2023-10-07</a:t>
+              <a:t>2023-10-08</a:t>
             </a:fld>
             <a:endParaRPr lang="ko-KR" altLang="en-US"/>
           </a:p>
@@ -2378,7 +2384,7 @@
           <a:p>
             <a:fld id="{2ED0F0D4-9096-4314-9E04-0720A41ED5EE}" type="datetimeFigureOut">
               <a:rPr lang="ko-KR" altLang="en-US" smtClean="0"/>
-              <a:t>2023-10-07</a:t>
+              <a:t>2023-10-08</a:t>
             </a:fld>
             <a:endParaRPr lang="ko-KR" altLang="en-US"/>
           </a:p>
@@ -2643,7 +2649,7 @@
           <a:p>
             <a:fld id="{2ED0F0D4-9096-4314-9E04-0720A41ED5EE}" type="datetimeFigureOut">
               <a:rPr lang="ko-KR" altLang="en-US" smtClean="0"/>
-              <a:t>2023-10-07</a:t>
+              <a:t>2023-10-08</a:t>
             </a:fld>
             <a:endParaRPr lang="ko-KR" altLang="en-US"/>
           </a:p>
@@ -2892,7 +2898,7 @@
           <a:p>
             <a:fld id="{2ED0F0D4-9096-4314-9E04-0720A41ED5EE}" type="datetimeFigureOut">
               <a:rPr lang="ko-KR" altLang="en-US" smtClean="0"/>
-              <a:t>2023-10-07</a:t>
+              <a:t>2023-10-08</a:t>
             </a:fld>
             <a:endParaRPr lang="ko-KR" altLang="en-US"/>
           </a:p>
@@ -3445,6 +3451,21 @@
   <p:clrMapOvr>
     <a:masterClrMapping/>
   </p:clrMapOvr>
+  <mc:AlternateContent xmlns:mc="http://schemas.openxmlformats.org/markup-compatibility/2006">
+    <mc:Choice xmlns:p14="http://schemas.microsoft.com/office/powerpoint/2010/main" Requires="p14">
+      <p:transition spd="slow" p14:dur="2000" advTm="826"/>
+    </mc:Choice>
+    <mc:Fallback>
+      <p:transition spd="slow" advTm="826"/>
+    </mc:Fallback>
+  </mc:AlternateContent>
+  <p:timing>
+    <p:tnLst>
+      <p:par>
+        <p:cTn id="1" dur="indefinite" restart="never" nodeType="tmRoot"/>
+      </p:par>
+    </p:tnLst>
+  </p:timing>
 </p:sld>
 </file>
 
@@ -3502,7 +3523,9 @@
         </p:nvSpPr>
         <p:spPr/>
         <p:txBody>
-          <a:bodyPr/>
+          <a:bodyPr>
+            <a:normAutofit/>
+          </a:bodyPr>
           <a:lstStyle/>
           <a:p>
             <a:pPr marL="0" indent="0">
@@ -3526,9 +3549,44 @@
             <a:pPr marL="0" indent="0">
               <a:buNone/>
             </a:pPr>
+            <a:endParaRPr lang="en-US" altLang="ko-KR" sz="1600" dirty="0" smtClean="0"/>
+          </a:p>
+          <a:p>
+            <a:pPr marL="0" indent="0">
+              <a:buNone/>
+            </a:pPr>
             <a:r>
               <a:rPr lang="ko-KR" altLang="en-US" sz="1600" dirty="0" smtClean="0"/>
-              <a:t>각각 다양한 능력을 가진 선수들이</a:t>
+              <a:t>인원수</a:t>
+            </a:r>
+            <a:r>
+              <a:rPr lang="en-US" altLang="ko-KR" sz="1600" dirty="0"/>
+              <a:t>:</a:t>
+            </a:r>
+            <a:r>
+              <a:rPr lang="ko-KR" altLang="en-US" sz="1600" dirty="0"/>
+              <a:t> </a:t>
+            </a:r>
+            <a:r>
+              <a:rPr lang="en-US" altLang="ko-KR" sz="1600" dirty="0"/>
+              <a:t>4:4 </a:t>
+            </a:r>
+          </a:p>
+          <a:p>
+            <a:pPr marL="0" indent="0">
+              <a:buNone/>
+            </a:pPr>
+            <a:r>
+              <a:rPr lang="ko-KR" altLang="en-US" sz="1600" dirty="0" smtClean="0"/>
+              <a:t>경기 시간</a:t>
+            </a:r>
+            <a:r>
+              <a:rPr lang="en-US" altLang="ko-KR" sz="1600" dirty="0" smtClean="0"/>
+              <a:t>: 2</a:t>
+            </a:r>
+            <a:r>
+              <a:rPr lang="ko-KR" altLang="en-US" sz="1600" dirty="0" smtClean="0"/>
+              <a:t>분</a:t>
             </a:r>
             <a:endParaRPr lang="en-US" altLang="ko-KR" sz="1600" dirty="0" smtClean="0"/>
           </a:p>
@@ -3537,31 +3595,91 @@
               <a:buNone/>
             </a:pPr>
             <a:r>
-              <a:rPr lang="en-US" altLang="ko-KR" sz="1600" dirty="0" smtClean="0"/>
+              <a:rPr lang="ko-KR" altLang="en-US" sz="1600" dirty="0" smtClean="0"/>
+              <a:t>인원은 </a:t>
+            </a:r>
+            <a:r>
+              <a:rPr lang="ko-KR" altLang="en-US" sz="1600" dirty="0"/>
+              <a:t>골키퍼 </a:t>
+            </a:r>
+            <a:r>
+              <a:rPr lang="en-US" altLang="ko-KR" sz="1600" dirty="0"/>
+              <a:t>1</a:t>
+            </a:r>
+            <a:r>
+              <a:rPr lang="ko-KR" altLang="en-US" sz="1600" dirty="0"/>
+              <a:t>명과 필드 </a:t>
+            </a:r>
+            <a:r>
+              <a:rPr lang="en-US" altLang="ko-KR" sz="1600" dirty="0"/>
               <a:t>3</a:t>
             </a:r>
             <a:r>
-              <a:rPr lang="ko-KR" altLang="en-US" sz="1600" dirty="0" smtClean="0"/>
-              <a:t>개의 팀으로 나뉘어 </a:t>
-            </a:r>
-            <a:r>
-              <a:rPr lang="ko-KR" altLang="en-US" sz="1600" dirty="0" err="1" smtClean="0"/>
-              <a:t>어느팀이</a:t>
-            </a:r>
-            <a:r>
-              <a:rPr lang="ko-KR" altLang="en-US" sz="1600" dirty="0" smtClean="0"/>
-              <a:t> 가장 강한 팀인지</a:t>
-            </a:r>
-            <a:endParaRPr lang="en-US" altLang="ko-KR" sz="1600" dirty="0" smtClean="0"/>
+              <a:rPr lang="ko-KR" altLang="en-US" sz="1600" dirty="0"/>
+              <a:t>명으로 이루어져 있음</a:t>
+            </a:r>
+            <a:endParaRPr lang="en-US" altLang="ko-KR" sz="1600" dirty="0"/>
           </a:p>
           <a:p>
             <a:pPr marL="0" indent="0">
               <a:buNone/>
             </a:pPr>
             <a:r>
-              <a:rPr lang="ko-KR" altLang="en-US" sz="1600" dirty="0" smtClean="0"/>
-              <a:t>겨루는 스토리</a:t>
-            </a:r>
+              <a:rPr lang="ko-KR" altLang="en-US" sz="1600" dirty="0"/>
+              <a:t>플레이어는 필드 </a:t>
+            </a:r>
+            <a:r>
+              <a:rPr lang="en-US" altLang="ko-KR" sz="1600" dirty="0"/>
+              <a:t>1</a:t>
+            </a:r>
+            <a:r>
+              <a:rPr lang="ko-KR" altLang="en-US" sz="1600" dirty="0"/>
+              <a:t>명으로 플레이</a:t>
+            </a:r>
+            <a:endParaRPr lang="en-US" altLang="ko-KR" sz="1600" dirty="0"/>
+          </a:p>
+          <a:p>
+            <a:pPr marL="0" indent="0">
+              <a:buNone/>
+            </a:pPr>
+            <a:r>
+              <a:rPr lang="ko-KR" altLang="en-US" sz="1600" dirty="0"/>
+              <a:t>골키퍼를 제외한 각 캐릭터마다 가지고 있는 능력이 있음</a:t>
+            </a:r>
+            <a:r>
+              <a:rPr lang="en-US" altLang="ko-KR" sz="1600" dirty="0"/>
+              <a:t>.</a:t>
+            </a:r>
+          </a:p>
+          <a:p>
+            <a:pPr marL="0" indent="0">
+              <a:buNone/>
+            </a:pPr>
+            <a:r>
+              <a:rPr lang="en-US" altLang="ko-KR" sz="1050" dirty="0"/>
+              <a:t>ex) </a:t>
+            </a:r>
+            <a:r>
+              <a:rPr lang="ko-KR" altLang="en-US" sz="1050" dirty="0"/>
+              <a:t>속도가 </a:t>
+            </a:r>
+            <a:r>
+              <a:rPr lang="ko-KR" altLang="en-US" sz="1050" dirty="0" err="1"/>
+              <a:t>잠시동안</a:t>
+            </a:r>
+            <a:r>
+              <a:rPr lang="ko-KR" altLang="en-US" sz="1050" dirty="0"/>
+              <a:t> 빨라진다</a:t>
+            </a:r>
+            <a:r>
+              <a:rPr lang="en-US" altLang="ko-KR" sz="1050" dirty="0"/>
+              <a:t>.</a:t>
+            </a:r>
+          </a:p>
+          <a:p>
+            <a:pPr marL="0" indent="0">
+              <a:buNone/>
+            </a:pPr>
             <a:endParaRPr lang="en-US" altLang="ko-KR" sz="1600" dirty="0" smtClean="0"/>
           </a:p>
           <a:p>
@@ -3664,6 +3782,13 @@
   <p:clrMapOvr>
     <a:masterClrMapping/>
   </p:clrMapOvr>
+  <p:timing>
+    <p:tnLst>
+      <p:par>
+        <p:cTn id="1" dur="indefinite" restart="never" nodeType="tmRoot"/>
+      </p:par>
+    </p:tnLst>
+  </p:timing>
 </p:sld>
 </file>
 
@@ -3702,240 +3827,6 @@
           <a:lstStyle/>
           <a:p>
             <a:r>
-              <a:rPr lang="ko-KR" altLang="en-US" sz="3200" dirty="0"/>
-              <a:t>경기 방식</a:t>
-            </a:r>
-            <a:endParaRPr lang="en-US" altLang="ko-KR" sz="3200" dirty="0"/>
-          </a:p>
-        </p:txBody>
-      </p:sp>
-      <p:sp>
-        <p:nvSpPr>
-          <p:cNvPr id="3" name="내용 개체 틀 2"/>
-          <p:cNvSpPr>
-            <a:spLocks noGrp="1"/>
-          </p:cNvSpPr>
-          <p:nvPr>
-            <p:ph idx="1"/>
-          </p:nvPr>
-        </p:nvSpPr>
-        <p:spPr>
-          <a:xfrm>
-            <a:off x="1202919" y="1814949"/>
-            <a:ext cx="9784080" cy="4206240"/>
-          </a:xfrm>
-        </p:spPr>
-        <p:txBody>
-          <a:bodyPr/>
-          <a:lstStyle/>
-          <a:p>
-            <a:pPr marL="0" indent="0">
-              <a:buNone/>
-            </a:pPr>
-            <a:r>
-              <a:rPr lang="ko-KR" altLang="en-US" dirty="0" smtClean="0"/>
-              <a:t>인원수</a:t>
-            </a:r>
-            <a:r>
-              <a:rPr lang="en-US" altLang="ko-KR" dirty="0"/>
-              <a:t>:</a:t>
-            </a:r>
-            <a:r>
-              <a:rPr lang="ko-KR" altLang="en-US" dirty="0"/>
-              <a:t> </a:t>
-            </a:r>
-            <a:r>
-              <a:rPr lang="en-US" altLang="ko-KR" dirty="0"/>
-              <a:t>4:4 </a:t>
-            </a:r>
-          </a:p>
-          <a:p>
-            <a:pPr marL="0" indent="0">
-              <a:buNone/>
-            </a:pPr>
-            <a:r>
-              <a:rPr lang="ko-KR" altLang="en-US" dirty="0" smtClean="0"/>
-              <a:t>경기 </a:t>
-            </a:r>
-            <a:r>
-              <a:rPr lang="ko-KR" altLang="en-US" dirty="0"/>
-              <a:t>시간</a:t>
-            </a:r>
-            <a:r>
-              <a:rPr lang="en-US" altLang="ko-KR" dirty="0"/>
-              <a:t>: 1</a:t>
-            </a:r>
-            <a:r>
-              <a:rPr lang="ko-KR" altLang="en-US" dirty="0"/>
-              <a:t>분 </a:t>
-            </a:r>
-            <a:r>
-              <a:rPr lang="en-US" altLang="ko-KR" dirty="0"/>
-              <a:t>30</a:t>
-            </a:r>
-            <a:r>
-              <a:rPr lang="ko-KR" altLang="en-US" dirty="0" smtClean="0"/>
-              <a:t>초</a:t>
-            </a:r>
-            <a:endParaRPr lang="en-US" altLang="ko-KR" dirty="0"/>
-          </a:p>
-          <a:p>
-            <a:pPr marL="0" indent="0">
-              <a:buNone/>
-            </a:pPr>
-            <a:r>
-              <a:rPr lang="en-US" altLang="ko-KR" dirty="0" smtClean="0"/>
-              <a:t>3</a:t>
-            </a:r>
-            <a:r>
-              <a:rPr lang="ko-KR" altLang="en-US" dirty="0"/>
-              <a:t>라운드로 </a:t>
-            </a:r>
-            <a:r>
-              <a:rPr lang="ko-KR" altLang="en-US" dirty="0" smtClean="0"/>
-              <a:t>진행</a:t>
-            </a:r>
-            <a:endParaRPr lang="en-US" altLang="ko-KR" dirty="0"/>
-          </a:p>
-          <a:p>
-            <a:pPr marL="0" indent="0">
-              <a:buNone/>
-            </a:pPr>
-            <a:r>
-              <a:rPr lang="ko-KR" altLang="en-US" dirty="0"/>
-              <a:t>인원은 골키퍼 </a:t>
-            </a:r>
-            <a:r>
-              <a:rPr lang="en-US" altLang="ko-KR" dirty="0"/>
-              <a:t>1</a:t>
-            </a:r>
-            <a:r>
-              <a:rPr lang="ko-KR" altLang="en-US" dirty="0"/>
-              <a:t>명과 필드 </a:t>
-            </a:r>
-            <a:r>
-              <a:rPr lang="en-US" altLang="ko-KR" dirty="0"/>
-              <a:t>3</a:t>
-            </a:r>
-            <a:r>
-              <a:rPr lang="ko-KR" altLang="en-US" dirty="0"/>
-              <a:t>명으로 이루어져 </a:t>
-            </a:r>
-            <a:r>
-              <a:rPr lang="ko-KR" altLang="en-US" dirty="0" smtClean="0"/>
-              <a:t>있음</a:t>
-            </a:r>
-            <a:endParaRPr lang="en-US" altLang="ko-KR" dirty="0"/>
-          </a:p>
-          <a:p>
-            <a:pPr marL="0" indent="0">
-              <a:buNone/>
-            </a:pPr>
-            <a:r>
-              <a:rPr lang="ko-KR" altLang="en-US" dirty="0"/>
-              <a:t>플레이어는 필드 </a:t>
-            </a:r>
-            <a:r>
-              <a:rPr lang="en-US" altLang="ko-KR" dirty="0"/>
-              <a:t>1</a:t>
-            </a:r>
-            <a:r>
-              <a:rPr lang="ko-KR" altLang="en-US" dirty="0"/>
-              <a:t>명으로 플레이</a:t>
-            </a:r>
-            <a:endParaRPr lang="en-US" altLang="ko-KR" dirty="0"/>
-          </a:p>
-          <a:p>
-            <a:pPr marL="0" indent="0">
-              <a:buNone/>
-            </a:pPr>
-            <a:r>
-              <a:rPr lang="ko-KR" altLang="en-US" dirty="0"/>
-              <a:t>각 캐릭터마다 가지고 있는 고유 능력이 있음</a:t>
-            </a:r>
-            <a:r>
-              <a:rPr lang="en-US" altLang="ko-KR" dirty="0"/>
-              <a:t>.</a:t>
-            </a:r>
-          </a:p>
-          <a:p>
-            <a:pPr marL="0" indent="0">
-              <a:buNone/>
-            </a:pPr>
-            <a:r>
-              <a:rPr lang="en-US" altLang="ko-KR" sz="1400" dirty="0"/>
-              <a:t>ex) </a:t>
-            </a:r>
-            <a:r>
-              <a:rPr lang="ko-KR" altLang="en-US" sz="1400" dirty="0"/>
-              <a:t>속도가 </a:t>
-            </a:r>
-            <a:r>
-              <a:rPr lang="ko-KR" altLang="en-US" sz="1400" dirty="0" err="1"/>
-              <a:t>잠시동안</a:t>
-            </a:r>
-            <a:r>
-              <a:rPr lang="ko-KR" altLang="en-US" sz="1400" dirty="0"/>
-              <a:t> 빨라진다</a:t>
-            </a:r>
-            <a:r>
-              <a:rPr lang="en-US" altLang="ko-KR" sz="1400" dirty="0"/>
-              <a:t>.</a:t>
-            </a:r>
-          </a:p>
-          <a:p>
-            <a:endParaRPr lang="ko-KR" altLang="en-US" dirty="0"/>
-          </a:p>
-        </p:txBody>
-      </p:sp>
-    </p:spTree>
-    <p:extLst>
-      <p:ext uri="{BB962C8B-B14F-4D97-AF65-F5344CB8AC3E}">
-        <p14:creationId xmlns:p14="http://schemas.microsoft.com/office/powerpoint/2010/main" val="4194370809"/>
-      </p:ext>
-    </p:extLst>
-  </p:cSld>
-  <p:clrMapOvr>
-    <a:masterClrMapping/>
-  </p:clrMapOvr>
-</p:sld>
-</file>
-
-<file path=ppt/slides/slide4.xml><?xml version="1.0" encoding="utf-8"?>
-<p:sld xmlns:a="http://schemas.openxmlformats.org/drawingml/2006/main" xmlns:r="http://schemas.openxmlformats.org/officeDocument/2006/relationships" xmlns:p="http://schemas.openxmlformats.org/presentationml/2006/main">
-  <p:cSld>
-    <p:spTree>
-      <p:nvGrpSpPr>
-        <p:cNvPr id="1" name=""/>
-        <p:cNvGrpSpPr/>
-        <p:nvPr/>
-      </p:nvGrpSpPr>
-      <p:grpSpPr>
-        <a:xfrm>
-          <a:off x="0" y="0"/>
-          <a:ext cx="0" cy="0"/>
-          <a:chOff x="0" y="0"/>
-          <a:chExt cx="0" cy="0"/>
-        </a:xfrm>
-      </p:grpSpPr>
-      <p:sp>
-        <p:nvSpPr>
-          <p:cNvPr id="2" name="제목 1"/>
-          <p:cNvSpPr>
-            <a:spLocks noGrp="1"/>
-          </p:cNvSpPr>
-          <p:nvPr>
-            <p:ph type="title"/>
-          </p:nvPr>
-        </p:nvSpPr>
-        <p:spPr/>
-        <p:txBody>
-          <a:bodyPr>
-            <a:normAutofit/>
-          </a:bodyPr>
-          <a:lstStyle/>
-          <a:p>
-            <a:r>
               <a:rPr lang="ko-KR" altLang="en-US" sz="3200" dirty="0" smtClean="0"/>
               <a:t>예상 게임 진행 흐름</a:t>
             </a:r>
@@ -3970,7 +3861,29 @@
             </a:pPr>
             <a:r>
               <a:rPr lang="ko-KR" altLang="en-US" dirty="0" smtClean="0"/>
-              <a:t>               팀 선택창</a:t>
+              <a:t>          </a:t>
+            </a:r>
+            <a:endParaRPr lang="en-US" altLang="ko-KR" dirty="0" smtClean="0"/>
+          </a:p>
+          <a:p>
+            <a:pPr marL="0" indent="0">
+              <a:buNone/>
+            </a:pPr>
+            <a:r>
+              <a:rPr lang="en-US" altLang="ko-KR" dirty="0"/>
+              <a:t> </a:t>
+            </a:r>
+            <a:r>
+              <a:rPr lang="en-US" altLang="ko-KR" dirty="0" smtClean="0"/>
+              <a:t>           </a:t>
+            </a:r>
+            <a:r>
+              <a:rPr lang="ko-KR" altLang="en-US" dirty="0" smtClean="0"/>
+              <a:t>        팀 </a:t>
+            </a:r>
+            <a:r>
+              <a:rPr lang="ko-KR" altLang="en-US" dirty="0" smtClean="0"/>
+              <a:t>선택창</a:t>
             </a:r>
             <a:r>
               <a:rPr lang="en-US" altLang="ko-KR" dirty="0" smtClean="0"/>
@@ -3998,6 +3911,24 @@
             <a:pPr marL="0" indent="0">
               <a:buNone/>
             </a:pPr>
+            <a:endParaRPr lang="en-US" altLang="ko-KR" dirty="0"/>
+          </a:p>
+          <a:p>
+            <a:pPr marL="0" indent="0">
+              <a:buNone/>
+            </a:pPr>
+            <a:endParaRPr lang="en-US" altLang="ko-KR" dirty="0" smtClean="0"/>
+          </a:p>
+          <a:p>
+            <a:pPr marL="0" indent="0">
+              <a:buNone/>
+            </a:pPr>
+            <a:endParaRPr lang="en-US" altLang="ko-KR" dirty="0" smtClean="0"/>
+          </a:p>
+          <a:p>
+            <a:pPr marL="0" indent="0">
+              <a:buNone/>
+            </a:pPr>
             <a:r>
               <a:rPr lang="ko-KR" altLang="en-US" sz="1400" dirty="0" smtClean="0"/>
               <a:t>자신</a:t>
@@ -4038,94 +3969,7 @@
               <a:rPr lang="en-US" altLang="ko-KR" sz="1400" dirty="0" smtClean="0"/>
               <a:t>.</a:t>
             </a:r>
-          </a:p>
-          <a:p>
-            <a:pPr marL="0" indent="0">
-              <a:buNone/>
-            </a:pPr>
-            <a:r>
-              <a:rPr lang="ko-KR" altLang="en-US" dirty="0" smtClean="0"/>
-              <a:t>              게임 시작                                                </a:t>
-            </a:r>
-            <a:r>
-              <a:rPr lang="en-US" altLang="ko-KR" dirty="0" smtClean="0"/>
-              <a:t>-&gt;                           </a:t>
-            </a:r>
-            <a:r>
-              <a:rPr lang="ko-KR" altLang="en-US" dirty="0" smtClean="0"/>
-              <a:t>게임 종료</a:t>
-            </a:r>
-            <a:r>
-              <a:rPr lang="en-US" altLang="ko-KR" dirty="0" smtClean="0"/>
-              <a:t>     </a:t>
-            </a:r>
-          </a:p>
-          <a:p>
-            <a:pPr marL="0" indent="0">
-              <a:buNone/>
-            </a:pPr>
-            <a:endParaRPr lang="en-US" altLang="ko-KR" dirty="0"/>
-          </a:p>
-          <a:p>
-            <a:pPr marL="0" indent="0">
-              <a:buNone/>
-            </a:pPr>
-            <a:endParaRPr lang="en-US" altLang="ko-KR" dirty="0" smtClean="0"/>
-          </a:p>
-          <a:p>
-            <a:pPr marL="0" indent="0">
-              <a:buNone/>
-            </a:pPr>
-            <a:r>
-              <a:rPr lang="en-US" altLang="ko-KR" dirty="0" smtClean="0"/>
-              <a:t>            </a:t>
-            </a:r>
-          </a:p>
-          <a:p>
-            <a:pPr marL="0" indent="0">
-              <a:buNone/>
-            </a:pPr>
-            <a:r>
-              <a:rPr lang="ko-KR" altLang="en-US" sz="1400" dirty="0" smtClean="0"/>
-              <a:t>게임을 시작하고 플레이한다</a:t>
-            </a:r>
-            <a:r>
-              <a:rPr lang="en-US" altLang="ko-KR" sz="1400" dirty="0" smtClean="0"/>
-              <a:t>.				</a:t>
-            </a:r>
-            <a:r>
-              <a:rPr lang="ko-KR" altLang="en-US" sz="1400" dirty="0" smtClean="0"/>
-              <a:t>이긴 팀과 </a:t>
-            </a:r>
-            <a:r>
-              <a:rPr lang="ko-KR" altLang="en-US" sz="1400" dirty="0" err="1" smtClean="0"/>
-              <a:t>진팀의</a:t>
-            </a:r>
-            <a:r>
-              <a:rPr lang="ko-KR" altLang="en-US" sz="1400" dirty="0" smtClean="0"/>
-              <a:t> 승리</a:t>
-            </a:r>
-            <a:r>
-              <a:rPr lang="en-US" altLang="ko-KR" sz="1400" dirty="0" smtClean="0"/>
-              <a:t>/</a:t>
-            </a:r>
-            <a:r>
-              <a:rPr lang="ko-KR" altLang="en-US" sz="1400" dirty="0" smtClean="0"/>
-              <a:t>패배 </a:t>
-            </a:r>
-            <a:r>
-              <a:rPr lang="ko-KR" altLang="en-US" sz="1400" dirty="0" err="1" smtClean="0"/>
-              <a:t>컷신이</a:t>
-            </a:r>
-            <a:r>
-              <a:rPr lang="ko-KR" altLang="en-US" sz="1400" dirty="0" smtClean="0"/>
-              <a:t> 나온다</a:t>
-            </a:r>
-            <a:r>
-              <a:rPr lang="en-US" altLang="ko-KR" sz="1400" dirty="0" smtClean="0"/>
-              <a:t>.</a:t>
-            </a:r>
-            <a:endParaRPr lang="ko-KR" altLang="en-US" sz="1400" dirty="0"/>
+            <a:endParaRPr lang="en-US" altLang="ko-KR" sz="1400" dirty="0" smtClean="0"/>
           </a:p>
         </p:txBody>
       </p:sp>
@@ -4145,8 +3989,8 @@
         </p:blipFill>
         <p:spPr>
           <a:xfrm>
-            <a:off x="1345530" y="2376443"/>
-            <a:ext cx="2992818" cy="1147516"/>
+            <a:off x="1202919" y="3086448"/>
+            <a:ext cx="3808979" cy="1942752"/>
           </a:xfrm>
           <a:prstGeom prst="rect">
             <a:avLst/>
@@ -4169,14 +4013,252 @@
         </p:blipFill>
         <p:spPr>
           <a:xfrm>
-            <a:off x="7191342" y="2376443"/>
-            <a:ext cx="2571223" cy="1153029"/>
+            <a:off x="6922400" y="3086448"/>
+            <a:ext cx="3288399" cy="1942752"/>
           </a:xfrm>
           <a:prstGeom prst="rect">
             <a:avLst/>
           </a:prstGeom>
         </p:spPr>
       </p:pic>
+    </p:spTree>
+    <p:extLst>
+      <p:ext uri="{BB962C8B-B14F-4D97-AF65-F5344CB8AC3E}">
+        <p14:creationId xmlns:p14="http://schemas.microsoft.com/office/powerpoint/2010/main" val="3658498052"/>
+      </p:ext>
+    </p:extLst>
+  </p:cSld>
+  <p:clrMapOvr>
+    <a:masterClrMapping/>
+  </p:clrMapOvr>
+  <p:timing>
+    <p:tnLst>
+      <p:par>
+        <p:cTn id="1" dur="indefinite" restart="never" nodeType="tmRoot"/>
+      </p:par>
+    </p:tnLst>
+  </p:timing>
+</p:sld>
+</file>
+
+<file path=ppt/slides/slide4.xml><?xml version="1.0" encoding="utf-8"?>
+<p:sld xmlns:a="http://schemas.openxmlformats.org/drawingml/2006/main" xmlns:r="http://schemas.openxmlformats.org/officeDocument/2006/relationships" xmlns:p="http://schemas.openxmlformats.org/presentationml/2006/main">
+  <p:cSld>
+    <p:spTree>
+      <p:nvGrpSpPr>
+        <p:cNvPr id="1" name=""/>
+        <p:cNvGrpSpPr/>
+        <p:nvPr/>
+      </p:nvGrpSpPr>
+      <p:grpSpPr>
+        <a:xfrm>
+          <a:off x="0" y="0"/>
+          <a:ext cx="0" cy="0"/>
+          <a:chOff x="0" y="0"/>
+          <a:chExt cx="0" cy="0"/>
+        </a:xfrm>
+      </p:grpSpPr>
+      <p:sp>
+        <p:nvSpPr>
+          <p:cNvPr id="2" name="제목 1"/>
+          <p:cNvSpPr>
+            <a:spLocks noGrp="1"/>
+          </p:cNvSpPr>
+          <p:nvPr>
+            <p:ph type="title"/>
+          </p:nvPr>
+        </p:nvSpPr>
+        <p:spPr/>
+        <p:txBody>
+          <a:bodyPr>
+            <a:normAutofit/>
+          </a:bodyPr>
+          <a:lstStyle/>
+          <a:p>
+            <a:r>
+              <a:rPr lang="ko-KR" altLang="en-US" sz="3200" dirty="0" smtClean="0"/>
+              <a:t>예상 게임 진행 흐름</a:t>
+            </a:r>
+            <a:endParaRPr lang="ko-KR" altLang="en-US" sz="3200" dirty="0"/>
+          </a:p>
+        </p:txBody>
+      </p:sp>
+      <p:sp>
+        <p:nvSpPr>
+          <p:cNvPr id="3" name="내용 개체 틀 2"/>
+          <p:cNvSpPr>
+            <a:spLocks noGrp="1"/>
+          </p:cNvSpPr>
+          <p:nvPr>
+            <p:ph idx="1"/>
+          </p:nvPr>
+        </p:nvSpPr>
+        <p:spPr>
+          <a:xfrm>
+            <a:off x="1202919" y="2029609"/>
+            <a:ext cx="9784080" cy="4586344"/>
+          </a:xfrm>
+        </p:spPr>
+        <p:txBody>
+          <a:bodyPr>
+            <a:normAutofit/>
+          </a:bodyPr>
+          <a:lstStyle/>
+          <a:p>
+            <a:pPr marL="0" indent="0">
+              <a:buNone/>
+            </a:pPr>
+            <a:r>
+              <a:rPr lang="ko-KR" altLang="en-US" dirty="0" smtClean="0"/>
+              <a:t>                 게임 플레이                                                </a:t>
+            </a:r>
+            <a:r>
+              <a:rPr lang="en-US" altLang="ko-KR" dirty="0" smtClean="0"/>
+              <a:t>-&gt;                           </a:t>
+            </a:r>
+            <a:r>
+              <a:rPr lang="ko-KR" altLang="en-US" dirty="0" smtClean="0"/>
+              <a:t>게임 종료</a:t>
+            </a:r>
+            <a:r>
+              <a:rPr lang="en-US" altLang="ko-KR" dirty="0" smtClean="0"/>
+              <a:t>     </a:t>
+            </a:r>
+          </a:p>
+          <a:p>
+            <a:pPr marL="0" indent="0">
+              <a:buNone/>
+            </a:pPr>
+            <a:endParaRPr lang="en-US" altLang="ko-KR" dirty="0"/>
+          </a:p>
+          <a:p>
+            <a:pPr marL="0" indent="0">
+              <a:buNone/>
+            </a:pPr>
+            <a:endParaRPr lang="en-US" altLang="ko-KR" dirty="0" smtClean="0"/>
+          </a:p>
+          <a:p>
+            <a:pPr marL="0" indent="0">
+              <a:buNone/>
+            </a:pPr>
+            <a:r>
+              <a:rPr lang="en-US" altLang="ko-KR" dirty="0" smtClean="0"/>
+              <a:t>            </a:t>
+            </a:r>
+          </a:p>
+          <a:p>
+            <a:pPr marL="0" indent="0">
+              <a:buNone/>
+            </a:pPr>
+            <a:r>
+              <a:rPr lang="ko-KR" altLang="en-US" sz="1400" dirty="0" smtClean="0"/>
+              <a:t>           게임을 </a:t>
+            </a:r>
+            <a:r>
+              <a:rPr lang="ko-KR" altLang="en-US" sz="1400" dirty="0" smtClean="0"/>
+              <a:t>시작하고 플레이한다</a:t>
+            </a:r>
+            <a:r>
+              <a:rPr lang="en-US" altLang="ko-KR" sz="1400" dirty="0" smtClean="0"/>
+              <a:t>.				</a:t>
+            </a:r>
+            <a:r>
+              <a:rPr lang="ko-KR" altLang="en-US" sz="1400" dirty="0" smtClean="0"/>
+              <a:t>이긴 팀과 </a:t>
+            </a:r>
+            <a:r>
+              <a:rPr lang="ko-KR" altLang="en-US" sz="1400" dirty="0" err="1" smtClean="0"/>
+              <a:t>진팀의</a:t>
+            </a:r>
+            <a:r>
+              <a:rPr lang="ko-KR" altLang="en-US" sz="1400" dirty="0" smtClean="0"/>
+              <a:t> 승리</a:t>
+            </a:r>
+            <a:r>
+              <a:rPr lang="en-US" altLang="ko-KR" sz="1400" dirty="0" smtClean="0"/>
+              <a:t>/</a:t>
+            </a:r>
+            <a:r>
+              <a:rPr lang="ko-KR" altLang="en-US" sz="1400" dirty="0" smtClean="0"/>
+              <a:t>패배 </a:t>
+            </a:r>
+            <a:r>
+              <a:rPr lang="ko-KR" altLang="en-US" sz="1400" dirty="0" err="1" smtClean="0"/>
+              <a:t>컷신이</a:t>
+            </a:r>
+            <a:r>
+              <a:rPr lang="ko-KR" altLang="en-US" sz="1400" dirty="0" smtClean="0"/>
+              <a:t> 나온다</a:t>
+            </a:r>
+            <a:r>
+              <a:rPr lang="en-US" altLang="ko-KR" sz="1400" dirty="0" smtClean="0"/>
+              <a:t>.</a:t>
+            </a:r>
+          </a:p>
+          <a:p>
+            <a:pPr marL="0" indent="0">
+              <a:buNone/>
+            </a:pPr>
+            <a:r>
+              <a:rPr lang="ko-KR" altLang="en-US" sz="1400" dirty="0" smtClean="0"/>
+              <a:t>조작</a:t>
+            </a:r>
+            <a:r>
+              <a:rPr lang="en-US" altLang="ko-KR" sz="1400" dirty="0" smtClean="0"/>
+              <a:t>: </a:t>
+            </a:r>
+            <a:r>
+              <a:rPr lang="ko-KR" altLang="en-US" sz="1400" dirty="0" smtClean="0"/>
+              <a:t>방향키</a:t>
+            </a:r>
+            <a:endParaRPr lang="en-US" altLang="ko-KR" sz="1400" dirty="0" smtClean="0"/>
+          </a:p>
+          <a:p>
+            <a:pPr marL="0" indent="0">
+              <a:buNone/>
+            </a:pPr>
+            <a:r>
+              <a:rPr lang="ko-KR" altLang="en-US" sz="1400" dirty="0" smtClean="0"/>
+              <a:t>스킬</a:t>
+            </a:r>
+            <a:r>
+              <a:rPr lang="en-US" altLang="ko-KR" sz="1400" dirty="0" smtClean="0"/>
+              <a:t>: s (</a:t>
+            </a:r>
+            <a:r>
+              <a:rPr lang="ko-KR" altLang="en-US" sz="1400" dirty="0" err="1" smtClean="0"/>
+              <a:t>쿨타임</a:t>
+            </a:r>
+            <a:r>
+              <a:rPr lang="ko-KR" altLang="en-US" sz="1400" dirty="0" smtClean="0"/>
+              <a:t> 있음</a:t>
+            </a:r>
+            <a:r>
+              <a:rPr lang="en-US" altLang="ko-KR" sz="1400" dirty="0" smtClean="0"/>
+              <a:t>)</a:t>
+            </a:r>
+          </a:p>
+          <a:p>
+            <a:pPr marL="0" indent="0">
+              <a:buNone/>
+            </a:pPr>
+            <a:r>
+              <a:rPr lang="ko-KR" altLang="en-US" sz="1400" dirty="0" smtClean="0"/>
+              <a:t>슈팅</a:t>
+            </a:r>
+            <a:r>
+              <a:rPr lang="en-US" altLang="ko-KR" sz="1400" dirty="0" smtClean="0"/>
+              <a:t>: d</a:t>
+            </a:r>
+          </a:p>
+          <a:p>
+            <a:pPr marL="0" indent="0">
+              <a:buNone/>
+            </a:pPr>
+            <a:endParaRPr lang="ko-KR" altLang="en-US" sz="1400" dirty="0"/>
+          </a:p>
+        </p:txBody>
+      </p:sp>
       <p:pic>
         <p:nvPicPr>
           <p:cNvPr id="2050" name="Picture 2" descr="Hockey Games, Ice Hockey, Play Online Hockey Games Free : Atmegame.com"/>
@@ -4186,7 +4268,7 @@
           <p:nvPr/>
         </p:nvPicPr>
         <p:blipFill>
-          <a:blip r:embed="rId4">
+          <a:blip r:embed="rId2">
             <a:extLst>
               <a:ext uri="{28A0092B-C50C-407E-A947-70E740481C1C}">
                 <a14:useLocalDpi xmlns:a14="http://schemas.microsoft.com/office/drawing/2010/main" val="0"/>
@@ -4200,7 +4282,7 @@
         </p:blipFill>
         <p:spPr bwMode="auto">
           <a:xfrm>
-            <a:off x="1202919" y="4327717"/>
+            <a:off x="1202919" y="2472023"/>
             <a:ext cx="3278040" cy="1441967"/>
           </a:xfrm>
           <a:prstGeom prst="rect">
@@ -4227,14 +4309,14 @@
           <p:nvPr/>
         </p:nvPicPr>
         <p:blipFill>
-          <a:blip r:embed="rId5"/>
+          <a:blip r:embed="rId3"/>
           <a:stretch>
             <a:fillRect/>
           </a:stretch>
         </p:blipFill>
         <p:spPr>
           <a:xfrm>
-            <a:off x="6677654" y="4327717"/>
+            <a:off x="6695583" y="2472022"/>
             <a:ext cx="3380746" cy="1441967"/>
           </a:xfrm>
           <a:prstGeom prst="rect">
@@ -4245,13 +4327,20 @@
     </p:spTree>
     <p:extLst>
       <p:ext uri="{BB962C8B-B14F-4D97-AF65-F5344CB8AC3E}">
-        <p14:creationId xmlns:p14="http://schemas.microsoft.com/office/powerpoint/2010/main" val="3658498052"/>
+        <p14:creationId xmlns:p14="http://schemas.microsoft.com/office/powerpoint/2010/main" val="2452927256"/>
       </p:ext>
     </p:extLst>
   </p:cSld>
   <p:clrMapOvr>
     <a:masterClrMapping/>
   </p:clrMapOvr>
+  <p:timing>
+    <p:tnLst>
+      <p:par>
+        <p:cTn id="1" dur="indefinite" restart="never" nodeType="tmRoot"/>
+      </p:par>
+    </p:tnLst>
+  </p:timing>
 </p:sld>
 </file>
 
@@ -4307,7 +4396,7 @@
             <p:ph idx="1"/>
             <p:extLst>
               <p:ext uri="{D42A27DB-BD31-4B8C-83A1-F6EECF244321}">
-                <p14:modId xmlns:p14="http://schemas.microsoft.com/office/powerpoint/2010/main" val="3326183775"/>
+                <p14:modId xmlns:p14="http://schemas.microsoft.com/office/powerpoint/2010/main" val="1256466688"/>
               </p:ext>
             </p:extLst>
           </p:nvPr>
@@ -4481,7 +4570,19 @@
                       <a:pPr algn="ctr" latinLnBrk="1"/>
                       <a:r>
                         <a:rPr lang="ko-KR" altLang="en-US" dirty="0" smtClean="0"/>
-                        <a:t>충돌 처리</a:t>
+                        <a:t>공 움직임</a:t>
+                      </a:r>
+                      <a:r>
+                        <a:rPr lang="en-US" altLang="ko-KR" dirty="0" smtClean="0"/>
+                        <a:t>,</a:t>
+                      </a:r>
+                      <a:r>
+                        <a:rPr lang="ko-KR" altLang="en-US" dirty="0" smtClean="0"/>
+                        <a:t>충돌 </a:t>
+                      </a:r>
+                      <a:r>
+                        <a:rPr lang="ko-KR" altLang="en-US" dirty="0" smtClean="0"/>
+                        <a:t>처리</a:t>
                       </a:r>
                       <a:endParaRPr lang="ko-KR" altLang="en-US" dirty="0"/>
                     </a:p>
@@ -4522,7 +4623,11 @@
                       <a:pPr algn="ctr" latinLnBrk="1"/>
                       <a:r>
                         <a:rPr lang="ko-KR" altLang="en-US" dirty="0" smtClean="0"/>
-                        <a:t>스킬 시스템 구현</a:t>
+                        <a:t>중간 점검 및 스킬 </a:t>
+                      </a:r>
+                      <a:r>
+                        <a:rPr lang="ko-KR" altLang="en-US" dirty="0" smtClean="0"/>
+                        <a:t>시스템 구현</a:t>
                       </a:r>
                       <a:endParaRPr lang="ko-KR" altLang="en-US" dirty="0"/>
                     </a:p>
@@ -4697,7 +4802,7 @@
                     <a:p>
                       <a:pPr algn="ctr" latinLnBrk="1"/>
                       <a:r>
-                        <a:rPr lang="ko-KR" altLang="en-US" smtClean="0"/>
+                        <a:rPr lang="ko-KR" altLang="en-US" dirty="0" smtClean="0"/>
                         <a:t>최종 점검</a:t>
                       </a:r>
                       <a:endParaRPr lang="ko-KR" altLang="en-US" dirty="0"/>
@@ -4719,6 +4824,226 @@
     <p:extLst>
       <p:ext uri="{BB962C8B-B14F-4D97-AF65-F5344CB8AC3E}">
         <p14:creationId xmlns:p14="http://schemas.microsoft.com/office/powerpoint/2010/main" val="2036218284"/>
+      </p:ext>
+    </p:extLst>
+  </p:cSld>
+  <p:clrMapOvr>
+    <a:masterClrMapping/>
+  </p:clrMapOvr>
+  <p:timing>
+    <p:tnLst>
+      <p:par>
+        <p:cTn id="1" dur="indefinite" restart="never" nodeType="tmRoot"/>
+      </p:par>
+    </p:tnLst>
+  </p:timing>
+</p:sld>
+</file>
+
+<file path=ppt/slides/slide6.xml><?xml version="1.0" encoding="utf-8"?>
+<p:sld xmlns:a="http://schemas.openxmlformats.org/drawingml/2006/main" xmlns:r="http://schemas.openxmlformats.org/officeDocument/2006/relationships" xmlns:p="http://schemas.openxmlformats.org/presentationml/2006/main">
+  <p:cSld>
+    <p:spTree>
+      <p:nvGrpSpPr>
+        <p:cNvPr id="1" name=""/>
+        <p:cNvGrpSpPr/>
+        <p:nvPr/>
+      </p:nvGrpSpPr>
+      <p:grpSpPr>
+        <a:xfrm>
+          <a:off x="0" y="0"/>
+          <a:ext cx="0" cy="0"/>
+          <a:chOff x="0" y="0"/>
+          <a:chExt cx="0" cy="0"/>
+        </a:xfrm>
+      </p:grpSpPr>
+      <p:sp>
+        <p:nvSpPr>
+          <p:cNvPr id="2" name="제목 1"/>
+          <p:cNvSpPr>
+            <a:spLocks noGrp="1"/>
+          </p:cNvSpPr>
+          <p:nvPr>
+            <p:ph type="title"/>
+          </p:nvPr>
+        </p:nvSpPr>
+        <p:spPr/>
+        <p:txBody>
+          <a:bodyPr>
+            <a:normAutofit/>
+          </a:bodyPr>
+          <a:lstStyle/>
+          <a:p>
+            <a:r>
+              <a:rPr lang="ko-KR" altLang="en-US" sz="3600" dirty="0" smtClean="0"/>
+              <a:t>기획</a:t>
+            </a:r>
+            <a:endParaRPr lang="ko-KR" altLang="en-US" sz="3600" dirty="0"/>
+          </a:p>
+        </p:txBody>
+      </p:sp>
+      <p:sp>
+        <p:nvSpPr>
+          <p:cNvPr id="3" name="내용 개체 틀 2"/>
+          <p:cNvSpPr>
+            <a:spLocks noGrp="1"/>
+          </p:cNvSpPr>
+          <p:nvPr>
+            <p:ph idx="1"/>
+          </p:nvPr>
+        </p:nvSpPr>
+        <p:spPr/>
+        <p:txBody>
+          <a:bodyPr/>
+          <a:lstStyle/>
+          <a:p>
+            <a:pPr marL="0" indent="0">
+              <a:buNone/>
+            </a:pPr>
+            <a:r>
+              <a:rPr lang="ko-KR" altLang="en-US" dirty="0" smtClean="0"/>
+              <a:t>스토리</a:t>
+            </a:r>
+            <a:r>
+              <a:rPr lang="en-US" altLang="ko-KR" dirty="0" smtClean="0"/>
+              <a:t> </a:t>
+            </a:r>
+          </a:p>
+          <a:p>
+            <a:pPr marL="0" indent="0">
+              <a:buNone/>
+            </a:pPr>
+            <a:r>
+              <a:rPr lang="ko-KR" altLang="en-US" sz="1800" dirty="0" smtClean="0"/>
+              <a:t>전국에서 가장 강한 </a:t>
+            </a:r>
+            <a:r>
+              <a:rPr lang="en-US" altLang="ko-KR" sz="1800" dirty="0" smtClean="0"/>
+              <a:t>3</a:t>
+            </a:r>
+            <a:r>
+              <a:rPr lang="ko-KR" altLang="en-US" sz="1800" dirty="0" smtClean="0"/>
+              <a:t>개의 아이스 하키팀에서 어느 팀이 </a:t>
+            </a:r>
+            <a:r>
+              <a:rPr lang="ko-KR" altLang="en-US" sz="1800" dirty="0" err="1" smtClean="0"/>
+              <a:t>최강자인지</a:t>
+            </a:r>
+            <a:r>
+              <a:rPr lang="ko-KR" altLang="en-US" sz="1800" dirty="0" smtClean="0"/>
+              <a:t> 정하기 위해 아이스 하키 경기를 한다</a:t>
+            </a:r>
+            <a:r>
+              <a:rPr lang="en-US" altLang="ko-KR" sz="1800" dirty="0" smtClean="0"/>
+              <a:t>.</a:t>
+            </a:r>
+          </a:p>
+          <a:p>
+            <a:pPr marL="0" indent="0">
+              <a:buNone/>
+            </a:pPr>
+            <a:r>
+              <a:rPr lang="ko-KR" altLang="en-US" dirty="0" smtClean="0"/>
+              <a:t>특징</a:t>
+            </a:r>
+            <a:endParaRPr lang="en-US" altLang="ko-KR" dirty="0" smtClean="0"/>
+          </a:p>
+          <a:p>
+            <a:pPr marL="0" indent="0">
+              <a:buNone/>
+            </a:pPr>
+            <a:r>
+              <a:rPr lang="ko-KR" altLang="en-US" sz="1800" dirty="0" smtClean="0"/>
+              <a:t>선수마다 능력을 </a:t>
+            </a:r>
+            <a:r>
+              <a:rPr lang="en-US" altLang="ko-KR" sz="1800" dirty="0" smtClean="0"/>
+              <a:t>1</a:t>
+            </a:r>
+            <a:r>
+              <a:rPr lang="ko-KR" altLang="en-US" sz="1800" dirty="0" smtClean="0"/>
+              <a:t>개씩 지니고 있으며 한판당 최대 </a:t>
+            </a:r>
+            <a:r>
+              <a:rPr lang="en-US" altLang="ko-KR" sz="1800" dirty="0" smtClean="0"/>
+              <a:t>3</a:t>
+            </a:r>
+            <a:r>
+              <a:rPr lang="ko-KR" altLang="en-US" sz="1800" dirty="0" smtClean="0"/>
+              <a:t>번 사용 가능하다</a:t>
+            </a:r>
+            <a:r>
+              <a:rPr lang="en-US" altLang="ko-KR" sz="1800" dirty="0" smtClean="0"/>
+              <a:t>.</a:t>
+            </a:r>
+          </a:p>
+          <a:p>
+            <a:pPr marL="0" indent="0">
+              <a:buNone/>
+            </a:pPr>
+            <a:r>
+              <a:rPr lang="ko-KR" altLang="en-US" sz="1800" dirty="0" smtClean="0"/>
+              <a:t>시간이 진행되면서 </a:t>
+            </a:r>
+            <a:r>
+              <a:rPr lang="ko-KR" altLang="en-US" sz="1800" dirty="0" err="1" smtClean="0"/>
+              <a:t>기믹이나</a:t>
+            </a:r>
+            <a:r>
+              <a:rPr lang="ko-KR" altLang="en-US" sz="1800" dirty="0" smtClean="0"/>
+              <a:t> 아이템이 떨어질 수 있다</a:t>
+            </a:r>
+            <a:r>
+              <a:rPr lang="en-US" altLang="ko-KR" sz="1800" dirty="0" smtClean="0"/>
+              <a:t>. </a:t>
+            </a:r>
+            <a:r>
+              <a:rPr lang="en-US" altLang="ko-KR" sz="1800" dirty="0"/>
+              <a:t>e</a:t>
+            </a:r>
+            <a:r>
+              <a:rPr lang="en-US" altLang="ko-KR" sz="1800" dirty="0" smtClean="0"/>
+              <a:t>x) </a:t>
+            </a:r>
+            <a:r>
+              <a:rPr lang="ko-KR" altLang="en-US" sz="1800" dirty="0" smtClean="0"/>
+              <a:t>일정시간동안 골대가 작아짐</a:t>
+            </a:r>
+            <a:r>
+              <a:rPr lang="en-US" altLang="ko-KR" sz="1800" smtClean="0"/>
+              <a:t>.</a:t>
+            </a:r>
+          </a:p>
+          <a:p>
+            <a:pPr marL="0" indent="0">
+              <a:buNone/>
+            </a:pPr>
+            <a:endParaRPr lang="en-US" altLang="ko-KR" sz="1800" dirty="0" smtClean="0"/>
+          </a:p>
+          <a:p>
+            <a:pPr marL="0" indent="0">
+              <a:buNone/>
+            </a:pPr>
+            <a:endParaRPr lang="en-US" altLang="ko-KR" dirty="0" smtClean="0"/>
+          </a:p>
+          <a:p>
+            <a:pPr marL="0" indent="0">
+              <a:buNone/>
+            </a:pPr>
+            <a:endParaRPr lang="en-US" altLang="ko-KR" dirty="0" smtClean="0"/>
+          </a:p>
+          <a:p>
+            <a:pPr marL="0" indent="0">
+              <a:buNone/>
+            </a:pPr>
+            <a:endParaRPr lang="en-US" altLang="ko-KR" dirty="0"/>
+          </a:p>
+        </p:txBody>
+      </p:sp>
+    </p:spTree>
+    <p:extLst>
+      <p:ext uri="{BB962C8B-B14F-4D97-AF65-F5344CB8AC3E}">
+        <p14:creationId xmlns:p14="http://schemas.microsoft.com/office/powerpoint/2010/main" val="2468139675"/>
       </p:ext>
     </p:extLst>
   </p:cSld>

--- a/2D 게임프로그래밍 1차 발표자료.pptx
+++ b/2D 게임프로그래밍 1차 발표자료.pptx
@@ -3451,11 +3451,11 @@
   <p:clrMapOvr>
     <a:masterClrMapping/>
   </p:clrMapOvr>
-  <mc:AlternateContent xmlns:mc="http://schemas.openxmlformats.org/markup-compatibility/2006">
-    <mc:Choice xmlns:p14="http://schemas.microsoft.com/office/powerpoint/2010/main" Requires="p14">
+  <mc:AlternateContent xmlns:mc="http://schemas.openxmlformats.org/markup-compatibility/2006" xmlns:p14="http://schemas.microsoft.com/office/powerpoint/2010/main">
+    <mc:Choice Requires="p14">
       <p:transition spd="slow" p14:dur="2000" advTm="826"/>
     </mc:Choice>
-    <mc:Fallback>
+    <mc:Fallback xmlns="">
       <p:transition spd="slow" advTm="826"/>
     </mc:Fallback>
   </mc:AlternateContent>
@@ -3524,7 +3524,7 @@
         <p:spPr/>
         <p:txBody>
           <a:bodyPr>
-            <a:normAutofit/>
+            <a:normAutofit lnSpcReduction="10000"/>
           </a:bodyPr>
           <a:lstStyle/>
           <a:p>
@@ -3672,9 +3672,60 @@
               <a:t> 빨라진다</a:t>
             </a:r>
             <a:r>
+              <a:rPr lang="en-US" altLang="ko-KR" sz="1050" dirty="0" smtClean="0"/>
+              <a:t>.</a:t>
+            </a:r>
+          </a:p>
+          <a:p>
+            <a:pPr marL="0" indent="0">
+              <a:buNone/>
+            </a:pPr>
+            <a:r>
+              <a:rPr lang="ko-KR" altLang="en-US" sz="1600" dirty="0" smtClean="0"/>
+              <a:t>게임이 진행되면서 맵 내부에 아이템들이 떨어지며 </a:t>
+            </a:r>
+            <a:endParaRPr lang="en-US" altLang="ko-KR" sz="1600" dirty="0" smtClean="0"/>
+          </a:p>
+          <a:p>
+            <a:pPr marL="0" indent="0">
+              <a:buNone/>
+            </a:pPr>
+            <a:r>
+              <a:rPr lang="ko-KR" altLang="en-US" sz="1600" dirty="0" smtClean="0"/>
+              <a:t>먹었을 경우 효과가 나온다</a:t>
+            </a:r>
+            <a:r>
+              <a:rPr lang="en-US" altLang="ko-KR" sz="1600" dirty="0"/>
+              <a:t>. </a:t>
+            </a:r>
+            <a:endParaRPr lang="en-US" altLang="ko-KR" sz="1600" dirty="0" smtClean="0"/>
+          </a:p>
+          <a:p>
+            <a:pPr marL="0" indent="0">
+              <a:buNone/>
+            </a:pPr>
+            <a:r>
+              <a:rPr lang="en-US" altLang="ko-KR" sz="1050" dirty="0" smtClean="0"/>
+              <a:t>ex</a:t>
+            </a:r>
+            <a:r>
+              <a:rPr lang="en-US" altLang="ko-KR" sz="1050" dirty="0"/>
+              <a:t>) </a:t>
+            </a:r>
+            <a:r>
+              <a:rPr lang="ko-KR" altLang="en-US" sz="1050" dirty="0"/>
+              <a:t>일정시간동안 골대가 작아짐</a:t>
+            </a:r>
+            <a:r>
               <a:rPr lang="en-US" altLang="ko-KR" sz="1050" dirty="0"/>
               <a:t>.</a:t>
             </a:r>
+          </a:p>
+          <a:p>
+            <a:pPr marL="0" indent="0">
+              <a:buNone/>
+            </a:pPr>
+            <a:endParaRPr lang="en-US" altLang="ko-KR" sz="1050" dirty="0"/>
           </a:p>
           <a:p>
             <a:pPr marL="0" indent="0">
@@ -3879,11 +3930,7 @@
             </a:r>
             <a:r>
               <a:rPr lang="ko-KR" altLang="en-US" dirty="0" smtClean="0"/>
-              <a:t>        팀 </a:t>
-            </a:r>
-            <a:r>
-              <a:rPr lang="ko-KR" altLang="en-US" dirty="0" smtClean="0"/>
-              <a:t>선택창</a:t>
+              <a:t>        팀 선택창</a:t>
             </a:r>
             <a:r>
               <a:rPr lang="en-US" altLang="ko-KR" dirty="0" smtClean="0"/>
@@ -3969,7 +4016,6 @@
               <a:rPr lang="en-US" altLang="ko-KR" sz="1400" dirty="0" smtClean="0"/>
               <a:t>.</a:t>
             </a:r>
-            <a:endParaRPr lang="en-US" altLang="ko-KR" sz="1400" dirty="0" smtClean="0"/>
           </a:p>
         </p:txBody>
       </p:sp>
@@ -4152,11 +4198,7 @@
             </a:pPr>
             <a:r>
               <a:rPr lang="ko-KR" altLang="en-US" sz="1400" dirty="0" smtClean="0"/>
-              <a:t>           게임을 </a:t>
-            </a:r>
-            <a:r>
-              <a:rPr lang="ko-KR" altLang="en-US" sz="1400" dirty="0" smtClean="0"/>
-              <a:t>시작하고 플레이한다</a:t>
+              <a:t>           게임을 시작하고 플레이한다</a:t>
             </a:r>
             <a:r>
               <a:rPr lang="en-US" altLang="ko-KR" sz="1400" dirty="0" smtClean="0"/>
@@ -4578,11 +4620,7 @@
                       </a:r>
                       <a:r>
                         <a:rPr lang="ko-KR" altLang="en-US" dirty="0" smtClean="0"/>
-                        <a:t>충돌 </a:t>
-                      </a:r>
-                      <a:r>
-                        <a:rPr lang="ko-KR" altLang="en-US" dirty="0" smtClean="0"/>
-                        <a:t>처리</a:t>
+                        <a:t>충돌 처리</a:t>
                       </a:r>
                       <a:endParaRPr lang="ko-KR" altLang="en-US" dirty="0"/>
                     </a:p>
@@ -4623,11 +4661,7 @@
                       <a:pPr algn="ctr" latinLnBrk="1"/>
                       <a:r>
                         <a:rPr lang="ko-KR" altLang="en-US" dirty="0" smtClean="0"/>
-                        <a:t>중간 점검 및 스킬 </a:t>
-                      </a:r>
-                      <a:r>
-                        <a:rPr lang="ko-KR" altLang="en-US" dirty="0" smtClean="0"/>
-                        <a:t>시스템 구현</a:t>
+                        <a:t>중간 점검 및 스킬 시스템 구현</a:t>
                       </a:r>
                       <a:endParaRPr lang="ko-KR" altLang="en-US" dirty="0"/>
                     </a:p>
@@ -4982,6 +5016,20 @@
               <a:buNone/>
             </a:pPr>
             <a:r>
+              <a:rPr lang="en-US" altLang="ko-KR" sz="1600" dirty="0" smtClean="0"/>
+              <a:t>ex) 10</a:t>
+            </a:r>
+            <a:r>
+              <a:rPr lang="ko-KR" altLang="en-US" sz="1600" dirty="0" smtClean="0"/>
+              <a:t>초간 이동속도 증가</a:t>
+            </a:r>
+            <a:endParaRPr lang="en-US" altLang="ko-KR" sz="1600" dirty="0" smtClean="0"/>
+          </a:p>
+          <a:p>
+            <a:pPr marL="0" indent="0">
+              <a:buNone/>
+            </a:pPr>
+            <a:r>
               <a:rPr lang="ko-KR" altLang="en-US" sz="1800" dirty="0" smtClean="0"/>
               <a:t>시간이 진행되면서 </a:t>
             </a:r>
@@ -4998,19 +5046,19 @@
               <a:t>. </a:t>
             </a:r>
             <a:r>
-              <a:rPr lang="en-US" altLang="ko-KR" sz="1800" dirty="0"/>
+              <a:rPr lang="en-US" altLang="ko-KR" sz="1600" dirty="0"/>
               <a:t>e</a:t>
             </a:r>
             <a:r>
+              <a:rPr lang="en-US" altLang="ko-KR" sz="1600" dirty="0" smtClean="0"/>
+              <a:t>x) </a:t>
+            </a:r>
+            <a:r>
+              <a:rPr lang="ko-KR" altLang="en-US" sz="1600" dirty="0" smtClean="0"/>
+              <a:t>일정시간동안 골대가 작아짐</a:t>
+            </a:r>
+            <a:r>
               <a:rPr lang="en-US" altLang="ko-KR" sz="1800" dirty="0" smtClean="0"/>
-              <a:t>x) </a:t>
-            </a:r>
-            <a:r>
-              <a:rPr lang="ko-KR" altLang="en-US" sz="1800" dirty="0" smtClean="0"/>
-              <a:t>일정시간동안 골대가 작아짐</a:t>
-            </a:r>
-            <a:r>
-              <a:rPr lang="en-US" altLang="ko-KR" sz="1800" smtClean="0"/>
               <a:t>.</a:t>
             </a:r>
           </a:p>
